--- a/CV2_Alhalawani_Tskhe.pptx
+++ b/CV2_Alhalawani_Tskhe.pptx
@@ -2512,7 +2512,7 @@
   <p:cSld>
     <p:spTree>
       <p:nvGrpSpPr>
-        <p:cNvPr id="220" name="Shape 220"/>
+        <p:cNvPr id="218" name="Shape 218"/>
         <p:cNvGrpSpPr/>
         <p:nvPr/>
       </p:nvGrpSpPr>
@@ -2526,7 +2526,7 @@
       </p:grpSpPr>
       <p:sp>
         <p:nvSpPr>
-          <p:cNvPr id="221" name="Google Shape;221;g368023c65f4_0_94:notes"/>
+          <p:cNvPr id="219" name="Google Shape;219;g368023c65f4_0_94:notes"/>
           <p:cNvSpPr/>
           <p:nvPr>
             <p:ph idx="2" type="sldImg"/>
@@ -2561,7 +2561,7 @@
       </p:sp>
       <p:sp>
         <p:nvSpPr>
-          <p:cNvPr id="222" name="Google Shape;222;g368023c65f4_0_94:notes"/>
+          <p:cNvPr id="220" name="Google Shape;220;g368023c65f4_0_94:notes"/>
           <p:cNvSpPr txBox="1"/>
           <p:nvPr>
             <p:ph idx="1" type="body"/>
@@ -2611,7 +2611,7 @@
   <p:cSld>
     <p:spTree>
       <p:nvGrpSpPr>
-        <p:cNvPr id="226" name="Shape 226"/>
+        <p:cNvPr id="224" name="Shape 224"/>
         <p:cNvGrpSpPr/>
         <p:nvPr/>
       </p:nvGrpSpPr>
@@ -2625,7 +2625,7 @@
       </p:grpSpPr>
       <p:sp>
         <p:nvSpPr>
-          <p:cNvPr id="227" name="Google Shape;227;g369503ebfe3_1_19:notes"/>
+          <p:cNvPr id="225" name="Google Shape;225;g369503ebfe3_1_19:notes"/>
           <p:cNvSpPr/>
           <p:nvPr>
             <p:ph idx="2" type="sldImg"/>
@@ -2660,7 +2660,7 @@
       </p:sp>
       <p:sp>
         <p:nvSpPr>
-          <p:cNvPr id="228" name="Google Shape;228;g369503ebfe3_1_19:notes"/>
+          <p:cNvPr id="226" name="Google Shape;226;g369503ebfe3_1_19:notes"/>
           <p:cNvSpPr txBox="1"/>
           <p:nvPr>
             <p:ph idx="1" type="body"/>
@@ -9749,7 +9749,7 @@
             <a:tbl>
               <a:tblPr>
                 <a:noFill/>
-                <a:tableStyleId>{6290F1D7-0783-454E-98FE-8417921A98B3}</a:tableStyleId>
+                <a:tableStyleId>{0F145BE7-3C7E-4167-BCD6-D3C5E2F99F07}</a:tableStyleId>
               </a:tblPr>
               <a:tblGrid>
                 <a:gridCol w="815150"/>
@@ -11800,7 +11800,7 @@
             <a:tbl>
               <a:tblPr>
                 <a:noFill/>
-                <a:tableStyleId>{6290F1D7-0783-454E-98FE-8417921A98B3}</a:tableStyleId>
+                <a:tableStyleId>{0F145BE7-3C7E-4167-BCD6-D3C5E2F99F07}</a:tableStyleId>
               </a:tblPr>
               <a:tblGrid>
                 <a:gridCol w="1664100"/>
@@ -12967,7 +12967,7 @@
             <a:tbl>
               <a:tblPr>
                 <a:noFill/>
-                <a:tableStyleId>{6290F1D7-0783-454E-98FE-8417921A98B3}</a:tableStyleId>
+                <a:tableStyleId>{0F145BE7-3C7E-4167-BCD6-D3C5E2F99F07}</a:tableStyleId>
               </a:tblPr>
               <a:tblGrid>
                 <a:gridCol w="1045725"/>
@@ -14456,7 +14456,7 @@
             <a:tbl>
               <a:tblPr>
                 <a:noFill/>
-                <a:tableStyleId>{6290F1D7-0783-454E-98FE-8417921A98B3}</a:tableStyleId>
+                <a:tableStyleId>{0F145BE7-3C7E-4167-BCD6-D3C5E2F99F07}</a:tableStyleId>
               </a:tblPr>
               <a:tblGrid>
                 <a:gridCol w="617975"/>
@@ -16034,7 +16034,7 @@
             <a:tbl>
               <a:tblPr>
                 <a:noFill/>
-                <a:tableStyleId>{6290F1D7-0783-454E-98FE-8417921A98B3}</a:tableStyleId>
+                <a:tableStyleId>{0F145BE7-3C7E-4167-BCD6-D3C5E2F99F07}</a:tableStyleId>
               </a:tblPr>
               <a:tblGrid>
                 <a:gridCol w="1387675"/>
@@ -17053,7 +17053,7 @@
             <a:tbl>
               <a:tblPr>
                 <a:noFill/>
-                <a:tableStyleId>{6290F1D7-0783-454E-98FE-8417921A98B3}</a:tableStyleId>
+                <a:tableStyleId>{0F145BE7-3C7E-4167-BCD6-D3C5E2F99F07}</a:tableStyleId>
               </a:tblPr>
               <a:tblGrid>
                 <a:gridCol w="1319675"/>
@@ -18344,7 +18344,7 @@
             <a:tbl>
               <a:tblPr>
                 <a:noFill/>
-                <a:tableStyleId>{6290F1D7-0783-454E-98FE-8417921A98B3}</a:tableStyleId>
+                <a:tableStyleId>{0F145BE7-3C7E-4167-BCD6-D3C5E2F99F07}</a:tableStyleId>
               </a:tblPr>
               <a:tblGrid>
                 <a:gridCol w="1112125"/>
@@ -19560,7 +19560,7 @@
             <a:tbl>
               <a:tblPr>
                 <a:noFill/>
-                <a:tableStyleId>{6290F1D7-0783-454E-98FE-8417921A98B3}</a:tableStyleId>
+                <a:tableStyleId>{0F145BE7-3C7E-4167-BCD6-D3C5E2F99F07}</a:tableStyleId>
               </a:tblPr>
               <a:tblGrid>
                 <a:gridCol w="1046700"/>
@@ -20919,7 +20919,7 @@
             <a:tbl>
               <a:tblPr>
                 <a:noFill/>
-                <a:tableStyleId>{6290F1D7-0783-454E-98FE-8417921A98B3}</a:tableStyleId>
+                <a:tableStyleId>{0F145BE7-3C7E-4167-BCD6-D3C5E2F99F07}</a:tableStyleId>
               </a:tblPr>
               <a:tblGrid>
                 <a:gridCol w="1046700"/>
@@ -22295,7 +22295,7 @@
           <p:nvPr/>
         </p:nvGraphicFramePr>
         <p:xfrm>
-          <a:off x="360700" y="1643088"/>
+          <a:off x="228825" y="2328888"/>
           <a:ext cx="3000000" cy="3000000"/>
         </p:xfrm>
         <a:graphic>
@@ -22303,7 +22303,7 @@
             <a:tbl>
               <a:tblPr>
                 <a:noFill/>
-                <a:tableStyleId>{6290F1D7-0783-454E-98FE-8417921A98B3}</a:tableStyleId>
+                <a:tableStyleId>{0F145BE7-3C7E-4167-BCD6-D3C5E2F99F07}</a:tableStyleId>
               </a:tblPr>
               <a:tblGrid>
                 <a:gridCol w="1046700"/>
@@ -22831,7 +22831,7 @@
         </p:nvSpPr>
         <p:spPr>
           <a:xfrm>
-            <a:off x="1604000" y="1178725"/>
+            <a:off x="1472125" y="1864525"/>
             <a:ext cx="1724700" cy="507900"/>
           </a:xfrm>
           <a:prstGeom prst="rect">
@@ -22888,7 +22888,7 @@
           <p:nvPr/>
         </p:nvGraphicFramePr>
         <p:xfrm>
-          <a:off x="4835750" y="1643100"/>
+          <a:off x="4703875" y="2328900"/>
           <a:ext cx="3000000" cy="3000000"/>
         </p:xfrm>
         <a:graphic>
@@ -22896,7 +22896,7 @@
             <a:tbl>
               <a:tblPr>
                 <a:noFill/>
-                <a:tableStyleId>{6290F1D7-0783-454E-98FE-8417921A98B3}</a:tableStyleId>
+                <a:tableStyleId>{0F145BE7-3C7E-4167-BCD6-D3C5E2F99F07}</a:tableStyleId>
               </a:tblPr>
               <a:tblGrid>
                 <a:gridCol w="1046700"/>
@@ -23424,7 +23424,7 @@
         </p:nvSpPr>
         <p:spPr>
           <a:xfrm>
-            <a:off x="5889000" y="1178725"/>
+            <a:off x="5757125" y="1864525"/>
             <a:ext cx="2104800" cy="507900"/>
           </a:xfrm>
           <a:prstGeom prst="rect">
@@ -23461,599 +23461,6 @@
                 <a:sym typeface="Proxima Nova"/>
               </a:rPr>
               <a:t>r = 0.05   alpha = 0.75</a:t>
-            </a:r>
-            <a:endParaRPr sz="1500">
-              <a:solidFill>
-                <a:schemeClr val="dk2"/>
-              </a:solidFill>
-              <a:latin typeface="Proxima Nova"/>
-              <a:ea typeface="Proxima Nova"/>
-              <a:cs typeface="Proxima Nova"/>
-              <a:sym typeface="Proxima Nova"/>
-            </a:endParaRPr>
-          </a:p>
-        </p:txBody>
-      </p:sp>
-      <p:graphicFrame>
-        <p:nvGraphicFramePr>
-          <p:cNvPr id="218" name="Google Shape;218;p37"/>
-          <p:cNvGraphicFramePr/>
-          <p:nvPr/>
-        </p:nvGraphicFramePr>
-        <p:xfrm>
-          <a:off x="360700" y="3304763"/>
-          <a:ext cx="3000000" cy="3000000"/>
-        </p:xfrm>
-        <a:graphic>
-          <a:graphicData uri="http://schemas.openxmlformats.org/drawingml/2006/table">
-            <a:tbl>
-              <a:tblPr>
-                <a:noFill/>
-                <a:tableStyleId>{6290F1D7-0783-454E-98FE-8417921A98B3}</a:tableStyleId>
-              </a:tblPr>
-              <a:tblGrid>
-                <a:gridCol w="1046700"/>
-                <a:gridCol w="1316575"/>
-                <a:gridCol w="854500"/>
-                <a:gridCol w="993525"/>
-              </a:tblGrid>
-              <a:tr h="320125">
-                <a:tc>
-                  <a:txBody>
-                    <a:bodyPr/>
-                    <a:lstStyle/>
-                    <a:p>
-                      <a:pPr indent="0" lvl="0" marL="0" rtl="0" algn="ctr">
-                        <a:lnSpc>
-                          <a:spcPct val="115000"/>
-                        </a:lnSpc>
-                        <a:spcBef>
-                          <a:spcPts val="0"/>
-                        </a:spcBef>
-                        <a:spcAft>
-                          <a:spcPts val="0"/>
-                        </a:spcAft>
-                        <a:buNone/>
-                      </a:pPr>
-                      <a:r>
-                        <a:rPr b="1" lang="it" sz="1100"/>
-                        <a:t>Epsilon</a:t>
-                      </a:r>
-                      <a:endParaRPr b="1" sz="1100"/>
-                    </a:p>
-                  </a:txBody>
-                  <a:tcPr marT="91425" marB="91425" marR="91425" marL="91425">
-                    <a:lnL cap="flat" cmpd="sng" w="9525">
-                      <a:solidFill>
-                        <a:srgbClr val="000000"/>
-                      </a:solidFill>
-                      <a:prstDash val="solid"/>
-                      <a:round/>
-                      <a:headEnd len="sm" w="sm" type="none"/>
-                      <a:tailEnd len="sm" w="sm" type="none"/>
-                    </a:lnL>
-                    <a:lnR cap="flat" cmpd="sng" w="9525">
-                      <a:solidFill>
-                        <a:srgbClr val="000000"/>
-                      </a:solidFill>
-                      <a:prstDash val="solid"/>
-                      <a:round/>
-                      <a:headEnd len="sm" w="sm" type="none"/>
-                      <a:tailEnd len="sm" w="sm" type="none"/>
-                    </a:lnR>
-                    <a:lnT cap="flat" cmpd="sng" w="9525">
-                      <a:solidFill>
-                        <a:srgbClr val="000000"/>
-                      </a:solidFill>
-                      <a:prstDash val="solid"/>
-                      <a:round/>
-                      <a:headEnd len="sm" w="sm" type="none"/>
-                      <a:tailEnd len="sm" w="sm" type="none"/>
-                    </a:lnT>
-                    <a:lnB cap="flat" cmpd="sng" w="9525">
-                      <a:solidFill>
-                        <a:srgbClr val="000000"/>
-                      </a:solidFill>
-                      <a:prstDash val="solid"/>
-                      <a:round/>
-                      <a:headEnd len="sm" w="sm" type="none"/>
-                      <a:tailEnd len="sm" w="sm" type="none"/>
-                    </a:lnB>
-                    <a:solidFill>
-                      <a:srgbClr val="FFF2CC"/>
-                    </a:solidFill>
-                  </a:tcPr>
-                </a:tc>
-                <a:tc>
-                  <a:txBody>
-                    <a:bodyPr/>
-                    <a:lstStyle/>
-                    <a:p>
-                      <a:pPr indent="0" lvl="0" marL="0" rtl="0" algn="ctr">
-                        <a:lnSpc>
-                          <a:spcPct val="115000"/>
-                        </a:lnSpc>
-                        <a:spcBef>
-                          <a:spcPts val="0"/>
-                        </a:spcBef>
-                        <a:spcAft>
-                          <a:spcPts val="0"/>
-                        </a:spcAft>
-                        <a:buNone/>
-                      </a:pPr>
-                      <a:r>
-                        <a:rPr b="1" lang="it" sz="1100"/>
-                        <a:t>Accuracy</a:t>
-                      </a:r>
-                      <a:endParaRPr b="1" sz="1100"/>
-                    </a:p>
-                  </a:txBody>
-                  <a:tcPr marT="91425" marB="91425" marR="91425" marL="91425">
-                    <a:lnL cap="flat" cmpd="sng" w="9525">
-                      <a:solidFill>
-                        <a:srgbClr val="000000"/>
-                      </a:solidFill>
-                      <a:prstDash val="solid"/>
-                      <a:round/>
-                      <a:headEnd len="sm" w="sm" type="none"/>
-                      <a:tailEnd len="sm" w="sm" type="none"/>
-                    </a:lnL>
-                    <a:lnR cap="flat" cmpd="sng" w="9525">
-                      <a:solidFill>
-                        <a:srgbClr val="000000"/>
-                      </a:solidFill>
-                      <a:prstDash val="solid"/>
-                      <a:round/>
-                      <a:headEnd len="sm" w="sm" type="none"/>
-                      <a:tailEnd len="sm" w="sm" type="none"/>
-                    </a:lnR>
-                    <a:lnT cap="flat" cmpd="sng" w="9525">
-                      <a:solidFill>
-                        <a:srgbClr val="000000"/>
-                      </a:solidFill>
-                      <a:prstDash val="solid"/>
-                      <a:round/>
-                      <a:headEnd len="sm" w="sm" type="none"/>
-                      <a:tailEnd len="sm" w="sm" type="none"/>
-                    </a:lnT>
-                    <a:lnB cap="flat" cmpd="sng" w="9525">
-                      <a:solidFill>
-                        <a:srgbClr val="000000"/>
-                      </a:solidFill>
-                      <a:prstDash val="solid"/>
-                      <a:round/>
-                      <a:headEnd len="sm" w="sm" type="none"/>
-                      <a:tailEnd len="sm" w="sm" type="none"/>
-                    </a:lnB>
-                    <a:solidFill>
-                      <a:srgbClr val="FFF2CC"/>
-                    </a:solidFill>
-                  </a:tcPr>
-                </a:tc>
-                <a:tc>
-                  <a:txBody>
-                    <a:bodyPr/>
-                    <a:lstStyle/>
-                    <a:p>
-                      <a:pPr indent="0" lvl="0" marL="0" rtl="0" algn="ctr">
-                        <a:lnSpc>
-                          <a:spcPct val="115000"/>
-                        </a:lnSpc>
-                        <a:spcBef>
-                          <a:spcPts val="0"/>
-                        </a:spcBef>
-                        <a:spcAft>
-                          <a:spcPts val="0"/>
-                        </a:spcAft>
-                        <a:buNone/>
-                      </a:pPr>
-                      <a:r>
-                        <a:rPr b="1" lang="it" sz="1100"/>
-                        <a:t>AUC</a:t>
-                      </a:r>
-                      <a:endParaRPr b="1" sz="1100"/>
-                    </a:p>
-                  </a:txBody>
-                  <a:tcPr marT="91425" marB="91425" marR="91425" marL="91425">
-                    <a:lnL cap="flat" cmpd="sng" w="9525">
-                      <a:solidFill>
-                        <a:srgbClr val="000000"/>
-                      </a:solidFill>
-                      <a:prstDash val="solid"/>
-                      <a:round/>
-                      <a:headEnd len="sm" w="sm" type="none"/>
-                      <a:tailEnd len="sm" w="sm" type="none"/>
-                    </a:lnL>
-                    <a:lnR cap="flat" cmpd="sng" w="9525">
-                      <a:solidFill>
-                        <a:srgbClr val="000000"/>
-                      </a:solidFill>
-                      <a:prstDash val="solid"/>
-                      <a:round/>
-                      <a:headEnd len="sm" w="sm" type="none"/>
-                      <a:tailEnd len="sm" w="sm" type="none"/>
-                    </a:lnR>
-                    <a:lnT cap="flat" cmpd="sng" w="9525">
-                      <a:solidFill>
-                        <a:srgbClr val="000000"/>
-                      </a:solidFill>
-                      <a:prstDash val="solid"/>
-                      <a:round/>
-                      <a:headEnd len="sm" w="sm" type="none"/>
-                      <a:tailEnd len="sm" w="sm" type="none"/>
-                    </a:lnT>
-                    <a:lnB cap="flat" cmpd="sng" w="9525">
-                      <a:solidFill>
-                        <a:srgbClr val="000000"/>
-                      </a:solidFill>
-                      <a:prstDash val="solid"/>
-                      <a:round/>
-                      <a:headEnd len="sm" w="sm" type="none"/>
-                      <a:tailEnd len="sm" w="sm" type="none"/>
-                    </a:lnB>
-                    <a:solidFill>
-                      <a:srgbClr val="FFF2CC"/>
-                    </a:solidFill>
-                  </a:tcPr>
-                </a:tc>
-                <a:tc>
-                  <a:txBody>
-                    <a:bodyPr/>
-                    <a:lstStyle/>
-                    <a:p>
-                      <a:pPr indent="0" lvl="0" marL="0" rtl="0" algn="ctr">
-                        <a:lnSpc>
-                          <a:spcPct val="115000"/>
-                        </a:lnSpc>
-                        <a:spcBef>
-                          <a:spcPts val="0"/>
-                        </a:spcBef>
-                        <a:spcAft>
-                          <a:spcPts val="0"/>
-                        </a:spcAft>
-                        <a:buNone/>
-                      </a:pPr>
-                      <a:r>
-                        <a:rPr b="1" lang="it" sz="1100"/>
-                        <a:t>F1 Score</a:t>
-                      </a:r>
-                      <a:endParaRPr b="1" sz="1100"/>
-                    </a:p>
-                  </a:txBody>
-                  <a:tcPr marT="91425" marB="91425" marR="91425" marL="91425">
-                    <a:lnL cap="flat" cmpd="sng" w="9525">
-                      <a:solidFill>
-                        <a:srgbClr val="000000"/>
-                      </a:solidFill>
-                      <a:prstDash val="solid"/>
-                      <a:round/>
-                      <a:headEnd len="sm" w="sm" type="none"/>
-                      <a:tailEnd len="sm" w="sm" type="none"/>
-                    </a:lnL>
-                    <a:lnR cap="flat" cmpd="sng" w="9525">
-                      <a:solidFill>
-                        <a:srgbClr val="000000"/>
-                      </a:solidFill>
-                      <a:prstDash val="solid"/>
-                      <a:round/>
-                      <a:headEnd len="sm" w="sm" type="none"/>
-                      <a:tailEnd len="sm" w="sm" type="none"/>
-                    </a:lnR>
-                    <a:lnT cap="flat" cmpd="sng" w="9525">
-                      <a:solidFill>
-                        <a:srgbClr val="000000"/>
-                      </a:solidFill>
-                      <a:prstDash val="solid"/>
-                      <a:round/>
-                      <a:headEnd len="sm" w="sm" type="none"/>
-                      <a:tailEnd len="sm" w="sm" type="none"/>
-                    </a:lnT>
-                    <a:lnB cap="flat" cmpd="sng" w="9525">
-                      <a:solidFill>
-                        <a:srgbClr val="000000"/>
-                      </a:solidFill>
-                      <a:prstDash val="solid"/>
-                      <a:round/>
-                      <a:headEnd len="sm" w="sm" type="none"/>
-                      <a:tailEnd len="sm" w="sm" type="none"/>
-                    </a:lnB>
-                    <a:solidFill>
-                      <a:srgbClr val="FFF2CC"/>
-                    </a:solidFill>
-                  </a:tcPr>
-                </a:tc>
-              </a:tr>
-              <a:tr h="339275">
-                <a:tc>
-                  <a:txBody>
-                    <a:bodyPr/>
-                    <a:lstStyle/>
-                    <a:p>
-                      <a:pPr indent="0" lvl="0" marL="0" rtl="0" algn="l">
-                        <a:spcBef>
-                          <a:spcPts val="0"/>
-                        </a:spcBef>
-                        <a:spcAft>
-                          <a:spcPts val="0"/>
-                        </a:spcAft>
-                        <a:buNone/>
-                      </a:pPr>
-                      <a:r>
-                        <a:rPr lang="it"/>
-                        <a:t>0.0010</a:t>
-                      </a:r>
-                      <a:endParaRPr/>
-                    </a:p>
-                  </a:txBody>
-                  <a:tcPr marT="91425" marB="91425" marR="91425" marL="91425">
-                    <a:lnL cap="flat" cmpd="sng" w="9525">
-                      <a:solidFill>
-                        <a:srgbClr val="000000"/>
-                      </a:solidFill>
-                      <a:prstDash val="solid"/>
-                      <a:round/>
-                      <a:headEnd len="sm" w="sm" type="none"/>
-                      <a:tailEnd len="sm" w="sm" type="none"/>
-                    </a:lnL>
-                    <a:lnR cap="flat" cmpd="sng" w="9525">
-                      <a:solidFill>
-                        <a:srgbClr val="000000"/>
-                      </a:solidFill>
-                      <a:prstDash val="solid"/>
-                      <a:round/>
-                      <a:headEnd len="sm" w="sm" type="none"/>
-                      <a:tailEnd len="sm" w="sm" type="none"/>
-                    </a:lnR>
-                    <a:lnT cap="flat" cmpd="sng" w="9525">
-                      <a:solidFill>
-                        <a:srgbClr val="000000"/>
-                      </a:solidFill>
-                      <a:prstDash val="solid"/>
-                      <a:round/>
-                      <a:headEnd len="sm" w="sm" type="none"/>
-                      <a:tailEnd len="sm" w="sm" type="none"/>
-                    </a:lnT>
-                    <a:lnB cap="flat" cmpd="sng" w="9525">
-                      <a:solidFill>
-                        <a:srgbClr val="000000"/>
-                      </a:solidFill>
-                      <a:prstDash val="solid"/>
-                      <a:round/>
-                      <a:headEnd len="sm" w="sm" type="none"/>
-                      <a:tailEnd len="sm" w="sm" type="none"/>
-                    </a:lnB>
-                  </a:tcPr>
-                </a:tc>
-                <a:tc>
-                  <a:txBody>
-                    <a:bodyPr/>
-                    <a:lstStyle/>
-                    <a:p>
-                      <a:pPr indent="0" lvl="0" marL="0" rtl="0" algn="l">
-                        <a:spcBef>
-                          <a:spcPts val="0"/>
-                        </a:spcBef>
-                        <a:spcAft>
-                          <a:spcPts val="0"/>
-                        </a:spcAft>
-                        <a:buNone/>
-                      </a:pPr>
-                      <a:r>
-                        <a:rPr lang="it"/>
-                        <a:t>0.2031</a:t>
-                      </a:r>
-                      <a:endParaRPr/>
-                    </a:p>
-                  </a:txBody>
-                  <a:tcPr marT="91425" marB="91425" marR="91425" marL="91425">
-                    <a:lnL cap="flat" cmpd="sng" w="9525">
-                      <a:solidFill>
-                        <a:srgbClr val="000000"/>
-                      </a:solidFill>
-                      <a:prstDash val="solid"/>
-                      <a:round/>
-                      <a:headEnd len="sm" w="sm" type="none"/>
-                      <a:tailEnd len="sm" w="sm" type="none"/>
-                    </a:lnL>
-                    <a:lnR cap="flat" cmpd="sng" w="9525">
-                      <a:solidFill>
-                        <a:srgbClr val="000000"/>
-                      </a:solidFill>
-                      <a:prstDash val="solid"/>
-                      <a:round/>
-                      <a:headEnd len="sm" w="sm" type="none"/>
-                      <a:tailEnd len="sm" w="sm" type="none"/>
-                    </a:lnR>
-                    <a:lnT cap="flat" cmpd="sng" w="9525">
-                      <a:solidFill>
-                        <a:srgbClr val="000000"/>
-                      </a:solidFill>
-                      <a:prstDash val="solid"/>
-                      <a:round/>
-                      <a:headEnd len="sm" w="sm" type="none"/>
-                      <a:tailEnd len="sm" w="sm" type="none"/>
-                    </a:lnT>
-                    <a:lnB cap="flat" cmpd="sng" w="9525">
-                      <a:solidFill>
-                        <a:srgbClr val="000000"/>
-                      </a:solidFill>
-                      <a:prstDash val="solid"/>
-                      <a:round/>
-                      <a:headEnd len="sm" w="sm" type="none"/>
-                      <a:tailEnd len="sm" w="sm" type="none"/>
-                    </a:lnB>
-                  </a:tcPr>
-                </a:tc>
-                <a:tc>
-                  <a:txBody>
-                    <a:bodyPr/>
-                    <a:lstStyle/>
-                    <a:p>
-                      <a:pPr indent="0" lvl="0" marL="0" rtl="0" algn="l">
-                        <a:spcBef>
-                          <a:spcPts val="0"/>
-                        </a:spcBef>
-                        <a:spcAft>
-                          <a:spcPts val="0"/>
-                        </a:spcAft>
-                        <a:buNone/>
-                      </a:pPr>
-                      <a:r>
-                        <a:rPr lang="it"/>
-                        <a:t>0.6707</a:t>
-                      </a:r>
-                      <a:endParaRPr/>
-                    </a:p>
-                  </a:txBody>
-                  <a:tcPr marT="91425" marB="91425" marR="91425" marL="91425">
-                    <a:lnL cap="flat" cmpd="sng" w="9525">
-                      <a:solidFill>
-                        <a:srgbClr val="000000"/>
-                      </a:solidFill>
-                      <a:prstDash val="solid"/>
-                      <a:round/>
-                      <a:headEnd len="sm" w="sm" type="none"/>
-                      <a:tailEnd len="sm" w="sm" type="none"/>
-                    </a:lnL>
-                    <a:lnR cap="flat" cmpd="sng" w="9525">
-                      <a:solidFill>
-                        <a:srgbClr val="000000"/>
-                      </a:solidFill>
-                      <a:prstDash val="solid"/>
-                      <a:round/>
-                      <a:headEnd len="sm" w="sm" type="none"/>
-                      <a:tailEnd len="sm" w="sm" type="none"/>
-                    </a:lnR>
-                    <a:lnT cap="flat" cmpd="sng" w="9525">
-                      <a:solidFill>
-                        <a:srgbClr val="000000"/>
-                      </a:solidFill>
-                      <a:prstDash val="solid"/>
-                      <a:round/>
-                      <a:headEnd len="sm" w="sm" type="none"/>
-                      <a:tailEnd len="sm" w="sm" type="none"/>
-                    </a:lnT>
-                    <a:lnB cap="flat" cmpd="sng" w="9525">
-                      <a:solidFill>
-                        <a:srgbClr val="000000"/>
-                      </a:solidFill>
-                      <a:prstDash val="solid"/>
-                      <a:round/>
-                      <a:headEnd len="sm" w="sm" type="none"/>
-                      <a:tailEnd len="sm" w="sm" type="none"/>
-                    </a:lnB>
-                  </a:tcPr>
-                </a:tc>
-                <a:tc>
-                  <a:txBody>
-                    <a:bodyPr/>
-                    <a:lstStyle/>
-                    <a:p>
-                      <a:pPr indent="0" lvl="0" marL="0" rtl="0" algn="l">
-                        <a:spcBef>
-                          <a:spcPts val="0"/>
-                        </a:spcBef>
-                        <a:spcAft>
-                          <a:spcPts val="0"/>
-                        </a:spcAft>
-                        <a:buNone/>
-                      </a:pPr>
-                      <a:r>
-                        <a:rPr lang="it"/>
-                        <a:t>0.2577</a:t>
-                      </a:r>
-                      <a:endParaRPr/>
-                    </a:p>
-                  </a:txBody>
-                  <a:tcPr marT="91425" marB="91425" marR="91425" marL="91425">
-                    <a:lnL cap="flat" cmpd="sng" w="9525">
-                      <a:solidFill>
-                        <a:srgbClr val="000000"/>
-                      </a:solidFill>
-                      <a:prstDash val="solid"/>
-                      <a:round/>
-                      <a:headEnd len="sm" w="sm" type="none"/>
-                      <a:tailEnd len="sm" w="sm" type="none"/>
-                    </a:lnL>
-                    <a:lnR cap="flat" cmpd="sng" w="9525">
-                      <a:solidFill>
-                        <a:srgbClr val="000000"/>
-                      </a:solidFill>
-                      <a:prstDash val="solid"/>
-                      <a:round/>
-                      <a:headEnd len="sm" w="sm" type="none"/>
-                      <a:tailEnd len="sm" w="sm" type="none"/>
-                    </a:lnR>
-                    <a:lnT cap="flat" cmpd="sng" w="9525">
-                      <a:solidFill>
-                        <a:srgbClr val="000000"/>
-                      </a:solidFill>
-                      <a:prstDash val="solid"/>
-                      <a:round/>
-                      <a:headEnd len="sm" w="sm" type="none"/>
-                      <a:tailEnd len="sm" w="sm" type="none"/>
-                    </a:lnT>
-                    <a:lnB cap="flat" cmpd="sng" w="9525">
-                      <a:solidFill>
-                        <a:srgbClr val="000000"/>
-                      </a:solidFill>
-                      <a:prstDash val="solid"/>
-                      <a:round/>
-                      <a:headEnd len="sm" w="sm" type="none"/>
-                      <a:tailEnd len="sm" w="sm" type="none"/>
-                    </a:lnB>
-                  </a:tcPr>
-                </a:tc>
-              </a:tr>
-            </a:tbl>
-          </a:graphicData>
-        </a:graphic>
-      </p:graphicFrame>
-      <p:sp>
-        <p:nvSpPr>
-          <p:cNvPr id="219" name="Google Shape;219;p37"/>
-          <p:cNvSpPr txBox="1"/>
-          <p:nvPr/>
-        </p:nvSpPr>
-        <p:spPr>
-          <a:xfrm>
-            <a:off x="1506650" y="2847025"/>
-            <a:ext cx="1919400" cy="507900"/>
-          </a:xfrm>
-          <a:prstGeom prst="rect">
-            <a:avLst/>
-          </a:prstGeom>
-          <a:noFill/>
-          <a:ln>
-            <a:noFill/>
-          </a:ln>
-        </p:spPr>
-        <p:txBody>
-          <a:bodyPr anchorCtr="0" anchor="t" bIns="91425" lIns="91425" spcFirstLastPara="1" rIns="91425" wrap="square" tIns="91425">
-            <a:noAutofit/>
-          </a:bodyPr>
-          <a:lstStyle/>
-          <a:p>
-            <a:pPr indent="0" lvl="0" marL="0" rtl="0" algn="l">
-              <a:spcBef>
-                <a:spcPts val="0"/>
-              </a:spcBef>
-              <a:spcAft>
-                <a:spcPts val="0"/>
-              </a:spcAft>
-              <a:buNone/>
-            </a:pPr>
-            <a:r>
-              <a:rPr lang="it" sz="1500">
-                <a:solidFill>
-                  <a:schemeClr val="dk2"/>
-                </a:solidFill>
-                <a:latin typeface="Proxima Nova"/>
-                <a:ea typeface="Proxima Nova"/>
-                <a:cs typeface="Proxima Nova"/>
-                <a:sym typeface="Proxima Nova"/>
-              </a:rPr>
-              <a:t>r = 0.1   alpha = 0.75</a:t>
             </a:r>
             <a:endParaRPr sz="1500">
               <a:solidFill>
@@ -24080,7 +23487,7 @@
   <p:cSld>
     <p:spTree>
       <p:nvGrpSpPr>
-        <p:cNvPr id="223" name="Shape 223"/>
+        <p:cNvPr id="221" name="Shape 221"/>
         <p:cNvGrpSpPr/>
         <p:nvPr/>
       </p:nvGrpSpPr>
@@ -24094,7 +23501,7 @@
       </p:grpSpPr>
       <p:sp>
         <p:nvSpPr>
-          <p:cNvPr id="224" name="Google Shape;224;p38"/>
+          <p:cNvPr id="222" name="Google Shape;222;p38"/>
           <p:cNvSpPr txBox="1"/>
           <p:nvPr>
             <p:ph type="title"/>
@@ -24134,7 +23541,7 @@
       </p:sp>
       <p:sp>
         <p:nvSpPr>
-          <p:cNvPr id="225" name="Google Shape;225;p38"/>
+          <p:cNvPr id="223" name="Google Shape;223;p38"/>
           <p:cNvSpPr txBox="1"/>
           <p:nvPr>
             <p:ph idx="1" type="body"/>
@@ -24214,7 +23621,7 @@
   <p:cSld>
     <p:spTree>
       <p:nvGrpSpPr>
-        <p:cNvPr id="229" name="Shape 229"/>
+        <p:cNvPr id="227" name="Shape 227"/>
         <p:cNvGrpSpPr/>
         <p:nvPr/>
       </p:nvGrpSpPr>
@@ -24228,7 +23635,7 @@
       </p:grpSpPr>
       <p:sp>
         <p:nvSpPr>
-          <p:cNvPr id="230" name="Google Shape;230;p39"/>
+          <p:cNvPr id="228" name="Google Shape;228;p39"/>
           <p:cNvSpPr txBox="1"/>
           <p:nvPr>
             <p:ph type="title"/>
@@ -25936,6 +25343,285 @@
 </file>
 
 <file path=ppt/theme/theme1.xml><?xml version="1.0" encoding="utf-8"?>
+<a:theme xmlns:a="http://schemas.openxmlformats.org/drawingml/2006/main" xmlns:r="http://schemas.openxmlformats.org/officeDocument/2006/relationships" name="Gameday">
+  <a:themeElements>
+    <a:clrScheme name="Gameday">
+      <a:dk1>
+        <a:srgbClr val="4285F4"/>
+      </a:dk1>
+      <a:lt1>
+        <a:srgbClr val="FFFFFF"/>
+      </a:lt1>
+      <a:dk2>
+        <a:srgbClr val="666666"/>
+      </a:dk2>
+      <a:lt2>
+        <a:srgbClr val="D9D9D9"/>
+      </a:lt2>
+      <a:accent1>
+        <a:srgbClr val="455A64"/>
+      </a:accent1>
+      <a:accent2>
+        <a:srgbClr val="607D8B"/>
+      </a:accent2>
+      <a:accent3>
+        <a:srgbClr val="FF5722"/>
+      </a:accent3>
+      <a:accent4>
+        <a:srgbClr val="D84315"/>
+      </a:accent4>
+      <a:accent5>
+        <a:srgbClr val="1C3AA9"/>
+      </a:accent5>
+      <a:accent6>
+        <a:srgbClr val="FFAB40"/>
+      </a:accent6>
+      <a:hlink>
+        <a:srgbClr val="1C3AA9"/>
+      </a:hlink>
+      <a:folHlink>
+        <a:srgbClr val="1C3AA9"/>
+      </a:folHlink>
+    </a:clrScheme>
+    <a:fontScheme name="Office">
+      <a:majorFont>
+        <a:latin typeface="Arial"/>
+        <a:ea typeface=""/>
+        <a:cs typeface=""/>
+        <a:font script="Jpan" typeface="ＭＳ Ｐゴシック"/>
+        <a:font script="Hang" typeface="맑은 고딕"/>
+        <a:font script="Hans" typeface="宋体"/>
+        <a:font script="Hant" typeface="新細明體"/>
+        <a:font script="Arab" typeface="Times New Roman"/>
+        <a:font script="Hebr" typeface="Times New Roman"/>
+        <a:font script="Thai" typeface="Angsana New"/>
+        <a:font script="Ethi" typeface="Nyala"/>
+        <a:font script="Beng" typeface="Vrinda"/>
+        <a:font script="Gujr" typeface="Shruti"/>
+        <a:font script="Khmr" typeface="MoolBoran"/>
+        <a:font script="Knda" typeface="Tunga"/>
+        <a:font script="Guru" typeface="Raavi"/>
+        <a:font script="Cans" typeface="Euphemia"/>
+        <a:font script="Cher" typeface="Plantagenet Cherokee"/>
+        <a:font script="Yiii" typeface="Microsoft Yi Baiti"/>
+        <a:font script="Tibt" typeface="Microsoft Himalaya"/>
+        <a:font script="Thaa" typeface="MV Boli"/>
+        <a:font script="Deva" typeface="Mangal"/>
+        <a:font script="Telu" typeface="Gautami"/>
+        <a:font script="Taml" typeface="Latha"/>
+        <a:font script="Syrc" typeface="Estrangelo Edessa"/>
+        <a:font script="Orya" typeface="Kalinga"/>
+        <a:font script="Mlym" typeface="Kartika"/>
+        <a:font script="Laoo" typeface="DokChampa"/>
+        <a:font script="Sinh" typeface="Iskoola Pota"/>
+        <a:font script="Mong" typeface="Mongolian Baiti"/>
+        <a:font script="Viet" typeface="Times New Roman"/>
+        <a:font script="Uigh" typeface="Microsoft Uighur"/>
+        <a:font script="Geor" typeface="Sylfaen"/>
+      </a:majorFont>
+      <a:minorFont>
+        <a:latin typeface="Arial"/>
+        <a:ea typeface=""/>
+        <a:cs typeface=""/>
+        <a:font script="Jpan" typeface="ＭＳ Ｐゴシック"/>
+        <a:font script="Hang" typeface="맑은 고딕"/>
+        <a:font script="Hans" typeface="宋体"/>
+        <a:font script="Hant" typeface="新細明體"/>
+        <a:font script="Arab" typeface="Arial"/>
+        <a:font script="Hebr" typeface="Arial"/>
+        <a:font script="Thai" typeface="Cordia New"/>
+        <a:font script="Ethi" typeface="Nyala"/>
+        <a:font script="Beng" typeface="Vrinda"/>
+        <a:font script="Gujr" typeface="Shruti"/>
+        <a:font script="Khmr" typeface="DaunPenh"/>
+        <a:font script="Knda" typeface="Tunga"/>
+        <a:font script="Guru" typeface="Raavi"/>
+        <a:font script="Cans" typeface="Euphemia"/>
+        <a:font script="Cher" typeface="Plantagenet Cherokee"/>
+        <a:font script="Yiii" typeface="Microsoft Yi Baiti"/>
+        <a:font script="Tibt" typeface="Microsoft Himalaya"/>
+        <a:font script="Thaa" typeface="MV Boli"/>
+        <a:font script="Deva" typeface="Mangal"/>
+        <a:font script="Telu" typeface="Gautami"/>
+        <a:font script="Taml" typeface="Latha"/>
+        <a:font script="Syrc" typeface="Estrangelo Edessa"/>
+        <a:font script="Orya" typeface="Kalinga"/>
+        <a:font script="Mlym" typeface="Kartika"/>
+        <a:font script="Laoo" typeface="DokChampa"/>
+        <a:font script="Sinh" typeface="Iskoola Pota"/>
+        <a:font script="Mong" typeface="Mongolian Baiti"/>
+        <a:font script="Viet" typeface="Arial"/>
+        <a:font script="Uigh" typeface="Microsoft Uighur"/>
+        <a:font script="Geor" typeface="Sylfaen"/>
+      </a:minorFont>
+    </a:fontScheme>
+    <a:fmtScheme name="Office">
+      <a:fillStyleLst>
+        <a:solidFill>
+          <a:schemeClr val="phClr"/>
+        </a:solidFill>
+        <a:gradFill rotWithShape="1">
+          <a:gsLst>
+            <a:gs pos="0">
+              <a:schemeClr val="phClr">
+                <a:tint val="50000"/>
+                <a:satMod val="300000"/>
+              </a:schemeClr>
+            </a:gs>
+            <a:gs pos="35000">
+              <a:schemeClr val="phClr">
+                <a:tint val="37000"/>
+                <a:satMod val="300000"/>
+              </a:schemeClr>
+            </a:gs>
+            <a:gs pos="100000">
+              <a:schemeClr val="phClr">
+                <a:tint val="15000"/>
+                <a:satMod val="350000"/>
+              </a:schemeClr>
+            </a:gs>
+          </a:gsLst>
+          <a:lin ang="16200000" scaled="1"/>
+        </a:gradFill>
+        <a:gradFill rotWithShape="1">
+          <a:gsLst>
+            <a:gs pos="0">
+              <a:schemeClr val="phClr">
+                <a:tint val="100000"/>
+                <a:shade val="100000"/>
+                <a:satMod val="130000"/>
+              </a:schemeClr>
+            </a:gs>
+            <a:gs pos="100000">
+              <a:schemeClr val="phClr">
+                <a:tint val="50000"/>
+                <a:shade val="100000"/>
+                <a:satMod val="350000"/>
+              </a:schemeClr>
+            </a:gs>
+          </a:gsLst>
+          <a:lin ang="16200000" scaled="0"/>
+        </a:gradFill>
+      </a:fillStyleLst>
+      <a:lnStyleLst>
+        <a:ln w="9525" cap="flat" cmpd="sng" algn="ctr">
+          <a:solidFill>
+            <a:schemeClr val="phClr">
+              <a:shade val="95000"/>
+              <a:satMod val="105000"/>
+            </a:schemeClr>
+          </a:solidFill>
+          <a:prstDash val="solid"/>
+        </a:ln>
+        <a:ln w="25400" cap="flat" cmpd="sng" algn="ctr">
+          <a:solidFill>
+            <a:schemeClr val="phClr"/>
+          </a:solidFill>
+          <a:prstDash val="solid"/>
+        </a:ln>
+        <a:ln w="38100" cap="flat" cmpd="sng" algn="ctr">
+          <a:solidFill>
+            <a:schemeClr val="phClr"/>
+          </a:solidFill>
+          <a:prstDash val="solid"/>
+        </a:ln>
+      </a:lnStyleLst>
+      <a:effectStyleLst>
+        <a:effectStyle>
+          <a:effectLst>
+            <a:outerShdw blurRad="40000" dist="20000" dir="5400000" rotWithShape="0">
+              <a:srgbClr val="000000">
+                <a:alpha val="38000"/>
+              </a:srgbClr>
+            </a:outerShdw>
+          </a:effectLst>
+        </a:effectStyle>
+        <a:effectStyle>
+          <a:effectLst>
+            <a:outerShdw blurRad="40000" dist="23000" dir="5400000" rotWithShape="0">
+              <a:srgbClr val="000000">
+                <a:alpha val="35000"/>
+              </a:srgbClr>
+            </a:outerShdw>
+          </a:effectLst>
+        </a:effectStyle>
+        <a:effectStyle>
+          <a:effectLst>
+            <a:outerShdw blurRad="40000" dist="23000" dir="5400000" rotWithShape="0">
+              <a:srgbClr val="000000">
+                <a:alpha val="35000"/>
+              </a:srgbClr>
+            </a:outerShdw>
+          </a:effectLst>
+          <a:scene3d>
+            <a:camera prst="orthographicFront">
+              <a:rot lat="0" lon="0" rev="0"/>
+            </a:camera>
+            <a:lightRig rig="threePt" dir="t">
+              <a:rot lat="0" lon="0" rev="1200000"/>
+            </a:lightRig>
+          </a:scene3d>
+          <a:sp3d>
+            <a:bevelT w="63500" h="25400"/>
+          </a:sp3d>
+        </a:effectStyle>
+      </a:effectStyleLst>
+      <a:bgFillStyleLst>
+        <a:solidFill>
+          <a:schemeClr val="phClr"/>
+        </a:solidFill>
+        <a:gradFill rotWithShape="1">
+          <a:gsLst>
+            <a:gs pos="0">
+              <a:schemeClr val="phClr">
+                <a:tint val="40000"/>
+                <a:satMod val="350000"/>
+              </a:schemeClr>
+            </a:gs>
+            <a:gs pos="40000">
+              <a:schemeClr val="phClr">
+                <a:tint val="45000"/>
+                <a:shade val="99000"/>
+                <a:satMod val="350000"/>
+              </a:schemeClr>
+            </a:gs>
+            <a:gs pos="100000">
+              <a:schemeClr val="phClr">
+                <a:shade val="20000"/>
+                <a:satMod val="255000"/>
+              </a:schemeClr>
+            </a:gs>
+          </a:gsLst>
+          <a:path path="circle">
+            <a:fillToRect l="50000" t="-80000" r="50000" b="180000"/>
+          </a:path>
+        </a:gradFill>
+        <a:gradFill rotWithShape="1">
+          <a:gsLst>
+            <a:gs pos="0">
+              <a:schemeClr val="phClr">
+                <a:tint val="80000"/>
+                <a:satMod val="300000"/>
+              </a:schemeClr>
+            </a:gs>
+            <a:gs pos="100000">
+              <a:schemeClr val="phClr">
+                <a:shade val="30000"/>
+                <a:satMod val="200000"/>
+              </a:schemeClr>
+            </a:gs>
+          </a:gsLst>
+          <a:path path="circle">
+            <a:fillToRect l="50000" t="50000" r="50000" b="50000"/>
+          </a:path>
+        </a:gradFill>
+      </a:bgFillStyleLst>
+    </a:fmtScheme>
+  </a:themeElements>
+</a:theme>
+</file>
+
+<file path=ppt/theme/theme2.xml><?xml version="1.0" encoding="utf-8"?>
 <a:theme xmlns:a="http://schemas.openxmlformats.org/drawingml/2006/main" xmlns:r="http://schemas.openxmlformats.org/officeDocument/2006/relationships">
   <a:themeElements>
     <a:clrScheme name="Default">
@@ -26212,283 +25898,4 @@
     </a:fmtScheme>
   </a:themeElements>
 </a:theme>
-</file>
-
-<file path=ppt/theme/theme2.xml><?xml version="1.0" encoding="utf-8"?>
-<a:theme xmlns:a="http://schemas.openxmlformats.org/drawingml/2006/main" xmlns:r="http://schemas.openxmlformats.org/officeDocument/2006/relationships" name="Gameday">
-  <a:themeElements>
-    <a:clrScheme name="Gameday">
-      <a:dk1>
-        <a:srgbClr val="4285F4"/>
-      </a:dk1>
-      <a:lt1>
-        <a:srgbClr val="FFFFFF"/>
-      </a:lt1>
-      <a:dk2>
-        <a:srgbClr val="666666"/>
-      </a:dk2>
-      <a:lt2>
-        <a:srgbClr val="D9D9D9"/>
-      </a:lt2>
-      <a:accent1>
-        <a:srgbClr val="455A64"/>
-      </a:accent1>
-      <a:accent2>
-        <a:srgbClr val="607D8B"/>
-      </a:accent2>
-      <a:accent3>
-        <a:srgbClr val="FF5722"/>
-      </a:accent3>
-      <a:accent4>
-        <a:srgbClr val="D84315"/>
-      </a:accent4>
-      <a:accent5>
-        <a:srgbClr val="1C3AA9"/>
-      </a:accent5>
-      <a:accent6>
-        <a:srgbClr val="FFAB40"/>
-      </a:accent6>
-      <a:hlink>
-        <a:srgbClr val="1C3AA9"/>
-      </a:hlink>
-      <a:folHlink>
-        <a:srgbClr val="1C3AA9"/>
-      </a:folHlink>
-    </a:clrScheme>
-    <a:fontScheme name="Office">
-      <a:majorFont>
-        <a:latin typeface="Arial"/>
-        <a:ea typeface=""/>
-        <a:cs typeface=""/>
-        <a:font script="Jpan" typeface="ＭＳ Ｐゴシック"/>
-        <a:font script="Hang" typeface="맑은 고딕"/>
-        <a:font script="Hans" typeface="宋体"/>
-        <a:font script="Hant" typeface="新細明體"/>
-        <a:font script="Arab" typeface="Times New Roman"/>
-        <a:font script="Hebr" typeface="Times New Roman"/>
-        <a:font script="Thai" typeface="Angsana New"/>
-        <a:font script="Ethi" typeface="Nyala"/>
-        <a:font script="Beng" typeface="Vrinda"/>
-        <a:font script="Gujr" typeface="Shruti"/>
-        <a:font script="Khmr" typeface="MoolBoran"/>
-        <a:font script="Knda" typeface="Tunga"/>
-        <a:font script="Guru" typeface="Raavi"/>
-        <a:font script="Cans" typeface="Euphemia"/>
-        <a:font script="Cher" typeface="Plantagenet Cherokee"/>
-        <a:font script="Yiii" typeface="Microsoft Yi Baiti"/>
-        <a:font script="Tibt" typeface="Microsoft Himalaya"/>
-        <a:font script="Thaa" typeface="MV Boli"/>
-        <a:font script="Deva" typeface="Mangal"/>
-        <a:font script="Telu" typeface="Gautami"/>
-        <a:font script="Taml" typeface="Latha"/>
-        <a:font script="Syrc" typeface="Estrangelo Edessa"/>
-        <a:font script="Orya" typeface="Kalinga"/>
-        <a:font script="Mlym" typeface="Kartika"/>
-        <a:font script="Laoo" typeface="DokChampa"/>
-        <a:font script="Sinh" typeface="Iskoola Pota"/>
-        <a:font script="Mong" typeface="Mongolian Baiti"/>
-        <a:font script="Viet" typeface="Times New Roman"/>
-        <a:font script="Uigh" typeface="Microsoft Uighur"/>
-        <a:font script="Geor" typeface="Sylfaen"/>
-      </a:majorFont>
-      <a:minorFont>
-        <a:latin typeface="Arial"/>
-        <a:ea typeface=""/>
-        <a:cs typeface=""/>
-        <a:font script="Jpan" typeface="ＭＳ Ｐゴシック"/>
-        <a:font script="Hang" typeface="맑은 고딕"/>
-        <a:font script="Hans" typeface="宋体"/>
-        <a:font script="Hant" typeface="新細明體"/>
-        <a:font script="Arab" typeface="Arial"/>
-        <a:font script="Hebr" typeface="Arial"/>
-        <a:font script="Thai" typeface="Cordia New"/>
-        <a:font script="Ethi" typeface="Nyala"/>
-        <a:font script="Beng" typeface="Vrinda"/>
-        <a:font script="Gujr" typeface="Shruti"/>
-        <a:font script="Khmr" typeface="DaunPenh"/>
-        <a:font script="Knda" typeface="Tunga"/>
-        <a:font script="Guru" typeface="Raavi"/>
-        <a:font script="Cans" typeface="Euphemia"/>
-        <a:font script="Cher" typeface="Plantagenet Cherokee"/>
-        <a:font script="Yiii" typeface="Microsoft Yi Baiti"/>
-        <a:font script="Tibt" typeface="Microsoft Himalaya"/>
-        <a:font script="Thaa" typeface="MV Boli"/>
-        <a:font script="Deva" typeface="Mangal"/>
-        <a:font script="Telu" typeface="Gautami"/>
-        <a:font script="Taml" typeface="Latha"/>
-        <a:font script="Syrc" typeface="Estrangelo Edessa"/>
-        <a:font script="Orya" typeface="Kalinga"/>
-        <a:font script="Mlym" typeface="Kartika"/>
-        <a:font script="Laoo" typeface="DokChampa"/>
-        <a:font script="Sinh" typeface="Iskoola Pota"/>
-        <a:font script="Mong" typeface="Mongolian Baiti"/>
-        <a:font script="Viet" typeface="Arial"/>
-        <a:font script="Uigh" typeface="Microsoft Uighur"/>
-        <a:font script="Geor" typeface="Sylfaen"/>
-      </a:minorFont>
-    </a:fontScheme>
-    <a:fmtScheme name="Office">
-      <a:fillStyleLst>
-        <a:solidFill>
-          <a:schemeClr val="phClr"/>
-        </a:solidFill>
-        <a:gradFill rotWithShape="1">
-          <a:gsLst>
-            <a:gs pos="0">
-              <a:schemeClr val="phClr">
-                <a:tint val="50000"/>
-                <a:satMod val="300000"/>
-              </a:schemeClr>
-            </a:gs>
-            <a:gs pos="35000">
-              <a:schemeClr val="phClr">
-                <a:tint val="37000"/>
-                <a:satMod val="300000"/>
-              </a:schemeClr>
-            </a:gs>
-            <a:gs pos="100000">
-              <a:schemeClr val="phClr">
-                <a:tint val="15000"/>
-                <a:satMod val="350000"/>
-              </a:schemeClr>
-            </a:gs>
-          </a:gsLst>
-          <a:lin ang="16200000" scaled="1"/>
-        </a:gradFill>
-        <a:gradFill rotWithShape="1">
-          <a:gsLst>
-            <a:gs pos="0">
-              <a:schemeClr val="phClr">
-                <a:tint val="100000"/>
-                <a:shade val="100000"/>
-                <a:satMod val="130000"/>
-              </a:schemeClr>
-            </a:gs>
-            <a:gs pos="100000">
-              <a:schemeClr val="phClr">
-                <a:tint val="50000"/>
-                <a:shade val="100000"/>
-                <a:satMod val="350000"/>
-              </a:schemeClr>
-            </a:gs>
-          </a:gsLst>
-          <a:lin ang="16200000" scaled="0"/>
-        </a:gradFill>
-      </a:fillStyleLst>
-      <a:lnStyleLst>
-        <a:ln w="9525" cap="flat" cmpd="sng" algn="ctr">
-          <a:solidFill>
-            <a:schemeClr val="phClr">
-              <a:shade val="95000"/>
-              <a:satMod val="105000"/>
-            </a:schemeClr>
-          </a:solidFill>
-          <a:prstDash val="solid"/>
-        </a:ln>
-        <a:ln w="25400" cap="flat" cmpd="sng" algn="ctr">
-          <a:solidFill>
-            <a:schemeClr val="phClr"/>
-          </a:solidFill>
-          <a:prstDash val="solid"/>
-        </a:ln>
-        <a:ln w="38100" cap="flat" cmpd="sng" algn="ctr">
-          <a:solidFill>
-            <a:schemeClr val="phClr"/>
-          </a:solidFill>
-          <a:prstDash val="solid"/>
-        </a:ln>
-      </a:lnStyleLst>
-      <a:effectStyleLst>
-        <a:effectStyle>
-          <a:effectLst>
-            <a:outerShdw blurRad="40000" dist="20000" dir="5400000" rotWithShape="0">
-              <a:srgbClr val="000000">
-                <a:alpha val="38000"/>
-              </a:srgbClr>
-            </a:outerShdw>
-          </a:effectLst>
-        </a:effectStyle>
-        <a:effectStyle>
-          <a:effectLst>
-            <a:outerShdw blurRad="40000" dist="23000" dir="5400000" rotWithShape="0">
-              <a:srgbClr val="000000">
-                <a:alpha val="35000"/>
-              </a:srgbClr>
-            </a:outerShdw>
-          </a:effectLst>
-        </a:effectStyle>
-        <a:effectStyle>
-          <a:effectLst>
-            <a:outerShdw blurRad="40000" dist="23000" dir="5400000" rotWithShape="0">
-              <a:srgbClr val="000000">
-                <a:alpha val="35000"/>
-              </a:srgbClr>
-            </a:outerShdw>
-          </a:effectLst>
-          <a:scene3d>
-            <a:camera prst="orthographicFront">
-              <a:rot lat="0" lon="0" rev="0"/>
-            </a:camera>
-            <a:lightRig rig="threePt" dir="t">
-              <a:rot lat="0" lon="0" rev="1200000"/>
-            </a:lightRig>
-          </a:scene3d>
-          <a:sp3d>
-            <a:bevelT w="63500" h="25400"/>
-          </a:sp3d>
-        </a:effectStyle>
-      </a:effectStyleLst>
-      <a:bgFillStyleLst>
-        <a:solidFill>
-          <a:schemeClr val="phClr"/>
-        </a:solidFill>
-        <a:gradFill rotWithShape="1">
-          <a:gsLst>
-            <a:gs pos="0">
-              <a:schemeClr val="phClr">
-                <a:tint val="40000"/>
-                <a:satMod val="350000"/>
-              </a:schemeClr>
-            </a:gs>
-            <a:gs pos="40000">
-              <a:schemeClr val="phClr">
-                <a:tint val="45000"/>
-                <a:shade val="99000"/>
-                <a:satMod val="350000"/>
-              </a:schemeClr>
-            </a:gs>
-            <a:gs pos="100000">
-              <a:schemeClr val="phClr">
-                <a:shade val="20000"/>
-                <a:satMod val="255000"/>
-              </a:schemeClr>
-            </a:gs>
-          </a:gsLst>
-          <a:path path="circle">
-            <a:fillToRect l="50000" t="-80000" r="50000" b="180000"/>
-          </a:path>
-        </a:gradFill>
-        <a:gradFill rotWithShape="1">
-          <a:gsLst>
-            <a:gs pos="0">
-              <a:schemeClr val="phClr">
-                <a:tint val="80000"/>
-                <a:satMod val="300000"/>
-              </a:schemeClr>
-            </a:gs>
-            <a:gs pos="100000">
-              <a:schemeClr val="phClr">
-                <a:shade val="30000"/>
-                <a:satMod val="200000"/>
-              </a:schemeClr>
-            </a:gs>
-          </a:gsLst>
-          <a:path path="circle">
-            <a:fillToRect l="50000" t="50000" r="50000" b="50000"/>
-          </a:path>
-        </a:gradFill>
-      </a:bgFillStyleLst>
-    </a:fmtScheme>
-  </a:themeElements>
-</a:theme>
 </file>